--- a/ProgressReport.pptx
+++ b/ProgressReport.pptx
@@ -297,7 +297,7 @@
           <a:p>
             <a:fld id="{5CDBE6AB-242F-804D-82D4-ECEA1EEA5E56}" type="datetimeFigureOut">
               <a:rPr lang="en-US" smtClean="0"/>
-              <a:t>10/24/13</a:t>
+              <a:t>10/27/13</a:t>
             </a:fld>
             <a:endParaRPr lang="en-US"/>
           </a:p>
@@ -467,7 +467,7 @@
           <a:p>
             <a:fld id="{5CDBE6AB-242F-804D-82D4-ECEA1EEA5E56}" type="datetimeFigureOut">
               <a:rPr lang="en-US" smtClean="0"/>
-              <a:t>10/24/13</a:t>
+              <a:t>10/27/13</a:t>
             </a:fld>
             <a:endParaRPr lang="en-US"/>
           </a:p>
@@ -647,7 +647,7 @@
           <a:p>
             <a:fld id="{5CDBE6AB-242F-804D-82D4-ECEA1EEA5E56}" type="datetimeFigureOut">
               <a:rPr lang="en-US" smtClean="0"/>
-              <a:t>10/24/13</a:t>
+              <a:t>10/27/13</a:t>
             </a:fld>
             <a:endParaRPr lang="en-US"/>
           </a:p>
@@ -817,7 +817,7 @@
           <a:p>
             <a:fld id="{5CDBE6AB-242F-804D-82D4-ECEA1EEA5E56}" type="datetimeFigureOut">
               <a:rPr lang="en-US" smtClean="0"/>
-              <a:t>10/24/13</a:t>
+              <a:t>10/27/13</a:t>
             </a:fld>
             <a:endParaRPr lang="en-US"/>
           </a:p>
@@ -1063,7 +1063,7 @@
           <a:p>
             <a:fld id="{5CDBE6AB-242F-804D-82D4-ECEA1EEA5E56}" type="datetimeFigureOut">
               <a:rPr lang="en-US" smtClean="0"/>
-              <a:t>10/24/13</a:t>
+              <a:t>10/27/13</a:t>
             </a:fld>
             <a:endParaRPr lang="en-US"/>
           </a:p>
@@ -1351,7 +1351,7 @@
           <a:p>
             <a:fld id="{5CDBE6AB-242F-804D-82D4-ECEA1EEA5E56}" type="datetimeFigureOut">
               <a:rPr lang="en-US" smtClean="0"/>
-              <a:t>10/24/13</a:t>
+              <a:t>10/27/13</a:t>
             </a:fld>
             <a:endParaRPr lang="en-US"/>
           </a:p>
@@ -1773,7 +1773,7 @@
           <a:p>
             <a:fld id="{5CDBE6AB-242F-804D-82D4-ECEA1EEA5E56}" type="datetimeFigureOut">
               <a:rPr lang="en-US" smtClean="0"/>
-              <a:t>10/24/13</a:t>
+              <a:t>10/27/13</a:t>
             </a:fld>
             <a:endParaRPr lang="en-US"/>
           </a:p>
@@ -1891,7 +1891,7 @@
           <a:p>
             <a:fld id="{5CDBE6AB-242F-804D-82D4-ECEA1EEA5E56}" type="datetimeFigureOut">
               <a:rPr lang="en-US" smtClean="0"/>
-              <a:t>10/24/13</a:t>
+              <a:t>10/27/13</a:t>
             </a:fld>
             <a:endParaRPr lang="en-US"/>
           </a:p>
@@ -1986,7 +1986,7 @@
           <a:p>
             <a:fld id="{5CDBE6AB-242F-804D-82D4-ECEA1EEA5E56}" type="datetimeFigureOut">
               <a:rPr lang="en-US" smtClean="0"/>
-              <a:t>10/24/13</a:t>
+              <a:t>10/27/13</a:t>
             </a:fld>
             <a:endParaRPr lang="en-US"/>
           </a:p>
@@ -2263,7 +2263,7 @@
           <a:p>
             <a:fld id="{5CDBE6AB-242F-804D-82D4-ECEA1EEA5E56}" type="datetimeFigureOut">
               <a:rPr lang="en-US" smtClean="0"/>
-              <a:t>10/24/13</a:t>
+              <a:t>10/27/13</a:t>
             </a:fld>
             <a:endParaRPr lang="en-US"/>
           </a:p>
@@ -2516,7 +2516,7 @@
           <a:p>
             <a:fld id="{5CDBE6AB-242F-804D-82D4-ECEA1EEA5E56}" type="datetimeFigureOut">
               <a:rPr lang="en-US" smtClean="0"/>
-              <a:t>10/24/13</a:t>
+              <a:t>10/27/13</a:t>
             </a:fld>
             <a:endParaRPr lang="en-US"/>
           </a:p>
@@ -2729,7 +2729,7 @@
           <a:p>
             <a:fld id="{5CDBE6AB-242F-804D-82D4-ECEA1EEA5E56}" type="datetimeFigureOut">
               <a:rPr lang="en-US" smtClean="0"/>
-              <a:t>10/24/13</a:t>
+              <a:t>10/27/13</a:t>
             </a:fld>
             <a:endParaRPr lang="en-US"/>
           </a:p>
@@ -3985,27 +3985,627 @@
       </p:sp>
       <p:sp>
         <p:nvSpPr>
-          <p:cNvPr id="3" name="Content Placeholder 2"/>
-          <p:cNvSpPr>
-            <a:spLocks noGrp="1"/>
-          </p:cNvSpPr>
-          <p:nvPr>
-            <p:ph idx="1"/>
-          </p:nvPr>
-        </p:nvSpPr>
-        <p:spPr/>
-        <p:txBody>
-          <a:bodyPr/>
-          <a:lstStyle/>
-          <a:p>
-            <a:pPr marL="0" indent="0">
-              <a:buNone/>
-            </a:pPr>
+          <p:cNvPr id="5" name="Rectangle 4"/>
+          <p:cNvSpPr/>
+          <p:nvPr/>
+        </p:nvSpPr>
+        <p:spPr>
+          <a:xfrm>
+            <a:off x="1952055" y="1828438"/>
+            <a:ext cx="4973926" cy="623128"/>
+          </a:xfrm>
+          <a:prstGeom prst="rect">
+            <a:avLst/>
+          </a:prstGeom>
+          <a:ln/>
+        </p:spPr>
+        <p:style>
+          <a:lnRef idx="1">
+            <a:schemeClr val="accent1"/>
+          </a:lnRef>
+          <a:fillRef idx="3">
+            <a:schemeClr val="accent1"/>
+          </a:fillRef>
+          <a:effectRef idx="2">
+            <a:schemeClr val="accent1"/>
+          </a:effectRef>
+          <a:fontRef idx="minor">
+            <a:schemeClr val="lt1"/>
+          </a:fontRef>
+        </p:style>
+        <p:txBody>
+          <a:bodyPr/>
+          <a:lstStyle/>
+          <a:p>
+            <a:pPr algn="ctr"/>
             <a:r>
               <a:rPr lang="en-US" dirty="0" smtClean="0"/>
-              <a:t>Will get this sometime today…</a:t>
+              <a:t>Rocket Interface</a:t>
             </a:r>
             <a:endParaRPr lang="en-US" dirty="0"/>
+          </a:p>
+        </p:txBody>
+      </p:sp>
+      <p:sp>
+        <p:nvSpPr>
+          <p:cNvPr id="6" name="Rectangle 5"/>
+          <p:cNvSpPr/>
+          <p:nvPr/>
+        </p:nvSpPr>
+        <p:spPr>
+          <a:xfrm>
+            <a:off x="1952055" y="3298101"/>
+            <a:ext cx="1175807" cy="423297"/>
+          </a:xfrm>
+          <a:prstGeom prst="rect">
+            <a:avLst/>
+          </a:prstGeom>
+          <a:ln/>
+        </p:spPr>
+        <p:style>
+          <a:lnRef idx="1">
+            <a:schemeClr val="accent1"/>
+          </a:lnRef>
+          <a:fillRef idx="3">
+            <a:schemeClr val="accent1"/>
+          </a:fillRef>
+          <a:effectRef idx="2">
+            <a:schemeClr val="accent1"/>
+          </a:effectRef>
+          <a:fontRef idx="minor">
+            <a:schemeClr val="lt1"/>
+          </a:fontRef>
+        </p:style>
+        <p:txBody>
+          <a:bodyPr/>
+          <a:lstStyle/>
+          <a:p>
+            <a:pPr algn="ctr"/>
+            <a:r>
+              <a:rPr lang="en-US" dirty="0" smtClean="0"/>
+              <a:t>Control</a:t>
+            </a:r>
+            <a:endParaRPr lang="en-US" dirty="0"/>
+          </a:p>
+        </p:txBody>
+      </p:sp>
+      <p:sp>
+        <p:nvSpPr>
+          <p:cNvPr id="7" name="Rectangle 6"/>
+          <p:cNvSpPr/>
+          <p:nvPr/>
+        </p:nvSpPr>
+        <p:spPr>
+          <a:xfrm>
+            <a:off x="3127862" y="4902733"/>
+            <a:ext cx="1410863" cy="611311"/>
+          </a:xfrm>
+          <a:prstGeom prst="rect">
+            <a:avLst/>
+          </a:prstGeom>
+          <a:ln/>
+        </p:spPr>
+        <p:style>
+          <a:lnRef idx="1">
+            <a:schemeClr val="accent1"/>
+          </a:lnRef>
+          <a:fillRef idx="3">
+            <a:schemeClr val="accent1"/>
+          </a:fillRef>
+          <a:effectRef idx="2">
+            <a:schemeClr val="accent1"/>
+          </a:effectRef>
+          <a:fontRef idx="minor">
+            <a:schemeClr val="lt1"/>
+          </a:fontRef>
+        </p:style>
+        <p:txBody>
+          <a:bodyPr/>
+          <a:lstStyle/>
+          <a:p>
+            <a:pPr algn="ctr"/>
+            <a:r>
+              <a:rPr lang="en-US" dirty="0" smtClean="0"/>
+              <a:t>Montgomery Multiplier</a:t>
+            </a:r>
+            <a:endParaRPr lang="en-US" dirty="0"/>
+          </a:p>
+        </p:txBody>
+      </p:sp>
+      <p:cxnSp>
+        <p:nvCxnSpPr>
+          <p:cNvPr id="8" name="Straight Connector 7"/>
+          <p:cNvCxnSpPr/>
+          <p:nvPr/>
+        </p:nvCxnSpPr>
+        <p:spPr>
+          <a:xfrm>
+            <a:off x="2504561" y="2451566"/>
+            <a:ext cx="0" cy="822960"/>
+          </a:xfrm>
+          <a:prstGeom prst="line">
+            <a:avLst/>
+          </a:prstGeom>
+          <a:ln>
+            <a:tailEnd type="triangle" w="lg"/>
+          </a:ln>
+        </p:spPr>
+        <p:style>
+          <a:lnRef idx="2">
+            <a:schemeClr val="accent1"/>
+          </a:lnRef>
+          <a:fillRef idx="0">
+            <a:schemeClr val="accent1"/>
+          </a:fillRef>
+          <a:effectRef idx="1">
+            <a:schemeClr val="accent1"/>
+          </a:effectRef>
+          <a:fontRef idx="minor">
+            <a:schemeClr val="tx1"/>
+          </a:fontRef>
+        </p:style>
+      </p:cxnSp>
+      <p:sp>
+        <p:nvSpPr>
+          <p:cNvPr id="11" name="Rectangle 10"/>
+          <p:cNvSpPr/>
+          <p:nvPr/>
+        </p:nvSpPr>
+        <p:spPr>
+          <a:xfrm>
+            <a:off x="6361757" y="4902275"/>
+            <a:ext cx="1410863" cy="611311"/>
+          </a:xfrm>
+          <a:prstGeom prst="rect">
+            <a:avLst/>
+          </a:prstGeom>
+          <a:ln/>
+        </p:spPr>
+        <p:style>
+          <a:lnRef idx="1">
+            <a:schemeClr val="accent1"/>
+          </a:lnRef>
+          <a:fillRef idx="3">
+            <a:schemeClr val="accent1"/>
+          </a:fillRef>
+          <a:effectRef idx="2">
+            <a:schemeClr val="accent1"/>
+          </a:effectRef>
+          <a:fontRef idx="minor">
+            <a:schemeClr val="lt1"/>
+          </a:fontRef>
+        </p:style>
+        <p:txBody>
+          <a:bodyPr/>
+          <a:lstStyle/>
+          <a:p>
+            <a:pPr algn="ctr"/>
+            <a:r>
+              <a:rPr lang="en-US" dirty="0" smtClean="0"/>
+              <a:t>Mod Inversion</a:t>
+            </a:r>
+            <a:endParaRPr lang="en-US" dirty="0"/>
+          </a:p>
+        </p:txBody>
+      </p:sp>
+      <p:sp>
+        <p:nvSpPr>
+          <p:cNvPr id="13" name="TextBox 12"/>
+          <p:cNvSpPr txBox="1"/>
+          <p:nvPr/>
+        </p:nvSpPr>
+        <p:spPr>
+          <a:xfrm>
+            <a:off x="1028468" y="2428502"/>
+            <a:ext cx="1385816" cy="830997"/>
+          </a:xfrm>
+          <a:prstGeom prst="rect">
+            <a:avLst/>
+          </a:prstGeom>
+          <a:noFill/>
+        </p:spPr>
+        <p:txBody>
+          <a:bodyPr wrap="none" rtlCol="0">
+            <a:spAutoFit/>
+          </a:bodyPr>
+          <a:lstStyle/>
+          <a:p>
+            <a:pPr algn="ctr"/>
+            <a:r>
+              <a:rPr lang="en-US" sz="1600" dirty="0" smtClean="0"/>
+              <a:t>Curve </a:t>
+            </a:r>
+            <a:r>
+              <a:rPr lang="en-US" sz="1600" dirty="0" err="1" smtClean="0"/>
+              <a:t>params</a:t>
+            </a:r>
+            <a:r>
+              <a:rPr lang="en-US" sz="1600" dirty="0" smtClean="0"/>
+              <a:t>,</a:t>
+            </a:r>
+          </a:p>
+          <a:p>
+            <a:pPr algn="ctr"/>
+            <a:r>
+              <a:rPr lang="en-US" sz="1600" dirty="0" smtClean="0"/>
+              <a:t>Multiplier</a:t>
+            </a:r>
+          </a:p>
+          <a:p>
+            <a:pPr algn="ctr"/>
+            <a:r>
+              <a:rPr lang="en-US" sz="1600" dirty="0" smtClean="0"/>
+              <a:t>Sign/Validate</a:t>
+            </a:r>
+            <a:endParaRPr lang="en-US" sz="1600" dirty="0"/>
+          </a:p>
+        </p:txBody>
+      </p:sp>
+      <p:sp>
+        <p:nvSpPr>
+          <p:cNvPr id="14" name="Rectangle 13"/>
+          <p:cNvSpPr/>
+          <p:nvPr/>
+        </p:nvSpPr>
+        <p:spPr>
+          <a:xfrm>
+            <a:off x="4585315" y="3180658"/>
+            <a:ext cx="2081971" cy="664371"/>
+          </a:xfrm>
+          <a:prstGeom prst="rect">
+            <a:avLst/>
+          </a:prstGeom>
+          <a:ln/>
+        </p:spPr>
+        <p:style>
+          <a:lnRef idx="1">
+            <a:schemeClr val="accent1"/>
+          </a:lnRef>
+          <a:fillRef idx="3">
+            <a:schemeClr val="accent1"/>
+          </a:fillRef>
+          <a:effectRef idx="2">
+            <a:schemeClr val="accent1"/>
+          </a:effectRef>
+          <a:fontRef idx="minor">
+            <a:schemeClr val="lt1"/>
+          </a:fontRef>
+        </p:style>
+        <p:txBody>
+          <a:bodyPr/>
+          <a:lstStyle/>
+          <a:p>
+            <a:pPr algn="ctr"/>
+            <a:r>
+              <a:rPr lang="en-US" dirty="0" smtClean="0"/>
+              <a:t>Elliptic Curve Multiply Control</a:t>
+            </a:r>
+            <a:endParaRPr lang="en-US" dirty="0"/>
+          </a:p>
+        </p:txBody>
+      </p:sp>
+      <p:cxnSp>
+        <p:nvCxnSpPr>
+          <p:cNvPr id="15" name="Straight Connector 14"/>
+          <p:cNvCxnSpPr>
+            <a:stCxn id="6" idx="3"/>
+            <a:endCxn id="14" idx="1"/>
+          </p:cNvCxnSpPr>
+          <p:nvPr/>
+        </p:nvCxnSpPr>
+        <p:spPr>
+          <a:xfrm>
+            <a:off x="3127862" y="3509750"/>
+            <a:ext cx="1457453" cy="3094"/>
+          </a:xfrm>
+          <a:prstGeom prst="line">
+            <a:avLst/>
+          </a:prstGeom>
+          <a:ln>
+            <a:tailEnd type="triangle" w="lg"/>
+          </a:ln>
+        </p:spPr>
+        <p:style>
+          <a:lnRef idx="2">
+            <a:schemeClr val="accent1"/>
+          </a:lnRef>
+          <a:fillRef idx="0">
+            <a:schemeClr val="accent1"/>
+          </a:fillRef>
+          <a:effectRef idx="1">
+            <a:schemeClr val="accent1"/>
+          </a:effectRef>
+          <a:fontRef idx="minor">
+            <a:schemeClr val="tx1"/>
+          </a:fontRef>
+        </p:style>
+      </p:cxnSp>
+      <p:cxnSp>
+        <p:nvCxnSpPr>
+          <p:cNvPr id="21" name="Straight Connector 20"/>
+          <p:cNvCxnSpPr/>
+          <p:nvPr/>
+        </p:nvCxnSpPr>
+        <p:spPr>
+          <a:xfrm flipH="1">
+            <a:off x="3927466" y="3879133"/>
+            <a:ext cx="1258283" cy="1023142"/>
+          </a:xfrm>
+          <a:prstGeom prst="line">
+            <a:avLst/>
+          </a:prstGeom>
+          <a:ln>
+            <a:tailEnd type="triangle" w="lg"/>
+          </a:ln>
+        </p:spPr>
+        <p:style>
+          <a:lnRef idx="2">
+            <a:schemeClr val="accent1"/>
+          </a:lnRef>
+          <a:fillRef idx="0">
+            <a:schemeClr val="accent1"/>
+          </a:fillRef>
+          <a:effectRef idx="1">
+            <a:schemeClr val="accent1"/>
+          </a:effectRef>
+          <a:fontRef idx="minor">
+            <a:schemeClr val="tx1"/>
+          </a:fontRef>
+        </p:style>
+      </p:cxnSp>
+      <p:cxnSp>
+        <p:nvCxnSpPr>
+          <p:cNvPr id="24" name="Straight Connector 23"/>
+          <p:cNvCxnSpPr/>
+          <p:nvPr/>
+        </p:nvCxnSpPr>
+        <p:spPr>
+          <a:xfrm>
+            <a:off x="5938559" y="3879133"/>
+            <a:ext cx="987422" cy="1023142"/>
+          </a:xfrm>
+          <a:prstGeom prst="line">
+            <a:avLst/>
+          </a:prstGeom>
+          <a:ln>
+            <a:tailEnd type="triangle" w="lg"/>
+          </a:ln>
+        </p:spPr>
+        <p:style>
+          <a:lnRef idx="2">
+            <a:schemeClr val="accent1"/>
+          </a:lnRef>
+          <a:fillRef idx="0">
+            <a:schemeClr val="accent1"/>
+          </a:fillRef>
+          <a:effectRef idx="1">
+            <a:schemeClr val="accent1"/>
+          </a:effectRef>
+          <a:fontRef idx="minor">
+            <a:schemeClr val="tx1"/>
+          </a:fontRef>
+        </p:style>
+      </p:cxnSp>
+      <p:sp>
+        <p:nvSpPr>
+          <p:cNvPr id="27" name="Rectangle 26"/>
+          <p:cNvSpPr/>
+          <p:nvPr/>
+        </p:nvSpPr>
+        <p:spPr>
+          <a:xfrm>
+            <a:off x="4723641" y="4902275"/>
+            <a:ext cx="1410863" cy="611311"/>
+          </a:xfrm>
+          <a:prstGeom prst="rect">
+            <a:avLst/>
+          </a:prstGeom>
+          <a:ln/>
+        </p:spPr>
+        <p:style>
+          <a:lnRef idx="1">
+            <a:schemeClr val="accent1"/>
+          </a:lnRef>
+          <a:fillRef idx="3">
+            <a:schemeClr val="accent1"/>
+          </a:fillRef>
+          <a:effectRef idx="2">
+            <a:schemeClr val="accent1"/>
+          </a:effectRef>
+          <a:fontRef idx="minor">
+            <a:schemeClr val="lt1"/>
+          </a:fontRef>
+        </p:style>
+        <p:txBody>
+          <a:bodyPr/>
+          <a:lstStyle/>
+          <a:p>
+            <a:pPr algn="ctr"/>
+            <a:r>
+              <a:rPr lang="en-US" dirty="0" smtClean="0"/>
+              <a:t>ALU</a:t>
+            </a:r>
+            <a:endParaRPr lang="en-US" dirty="0"/>
+          </a:p>
+        </p:txBody>
+      </p:sp>
+      <p:cxnSp>
+        <p:nvCxnSpPr>
+          <p:cNvPr id="29" name="Straight Connector 28"/>
+          <p:cNvCxnSpPr>
+            <a:endCxn id="27" idx="0"/>
+          </p:cNvCxnSpPr>
+          <p:nvPr/>
+        </p:nvCxnSpPr>
+        <p:spPr>
+          <a:xfrm>
+            <a:off x="5429073" y="3856787"/>
+            <a:ext cx="0" cy="1045488"/>
+          </a:xfrm>
+          <a:prstGeom prst="line">
+            <a:avLst/>
+          </a:prstGeom>
+          <a:ln>
+            <a:tailEnd type="triangle" w="lg"/>
+          </a:ln>
+        </p:spPr>
+        <p:style>
+          <a:lnRef idx="2">
+            <a:schemeClr val="accent1"/>
+          </a:lnRef>
+          <a:fillRef idx="0">
+            <a:schemeClr val="accent1"/>
+          </a:fillRef>
+          <a:effectRef idx="1">
+            <a:schemeClr val="accent1"/>
+          </a:effectRef>
+          <a:fontRef idx="minor">
+            <a:schemeClr val="tx1"/>
+          </a:fontRef>
+        </p:style>
+      </p:cxnSp>
+      <p:cxnSp>
+        <p:nvCxnSpPr>
+          <p:cNvPr id="35" name="Straight Connector 34"/>
+          <p:cNvCxnSpPr/>
+          <p:nvPr/>
+        </p:nvCxnSpPr>
+        <p:spPr>
+          <a:xfrm>
+            <a:off x="2516481" y="3656875"/>
+            <a:ext cx="905353" cy="1245400"/>
+          </a:xfrm>
+          <a:prstGeom prst="line">
+            <a:avLst/>
+          </a:prstGeom>
+          <a:ln>
+            <a:tailEnd type="triangle" w="lg"/>
+          </a:ln>
+        </p:spPr>
+        <p:style>
+          <a:lnRef idx="2">
+            <a:schemeClr val="accent1"/>
+          </a:lnRef>
+          <a:fillRef idx="0">
+            <a:schemeClr val="accent1"/>
+          </a:fillRef>
+          <a:effectRef idx="1">
+            <a:schemeClr val="accent1"/>
+          </a:effectRef>
+          <a:fontRef idx="minor">
+            <a:schemeClr val="tx1"/>
+          </a:fontRef>
+        </p:style>
+      </p:cxnSp>
+      <p:cxnSp>
+        <p:nvCxnSpPr>
+          <p:cNvPr id="39" name="Straight Connector 38"/>
+          <p:cNvCxnSpPr/>
+          <p:nvPr/>
+        </p:nvCxnSpPr>
+        <p:spPr>
+          <a:xfrm flipV="1">
+            <a:off x="2916283" y="2451566"/>
+            <a:ext cx="0" cy="846536"/>
+          </a:xfrm>
+          <a:prstGeom prst="line">
+            <a:avLst/>
+          </a:prstGeom>
+          <a:ln>
+            <a:tailEnd type="triangle" w="lg"/>
+          </a:ln>
+        </p:spPr>
+        <p:style>
+          <a:lnRef idx="2">
+            <a:schemeClr val="accent1"/>
+          </a:lnRef>
+          <a:fillRef idx="0">
+            <a:schemeClr val="accent1"/>
+          </a:fillRef>
+          <a:effectRef idx="1">
+            <a:schemeClr val="accent1"/>
+          </a:effectRef>
+          <a:fontRef idx="minor">
+            <a:schemeClr val="tx1"/>
+          </a:fontRef>
+        </p:style>
+      </p:cxnSp>
+      <p:sp>
+        <p:nvSpPr>
+          <p:cNvPr id="42" name="TextBox 41"/>
+          <p:cNvSpPr txBox="1"/>
+          <p:nvPr/>
+        </p:nvSpPr>
+        <p:spPr>
+          <a:xfrm>
+            <a:off x="2989282" y="2534327"/>
+            <a:ext cx="1352654" cy="584776"/>
+          </a:xfrm>
+          <a:prstGeom prst="rect">
+            <a:avLst/>
+          </a:prstGeom>
+          <a:noFill/>
+        </p:spPr>
+        <p:txBody>
+          <a:bodyPr wrap="none" rtlCol="0">
+            <a:spAutoFit/>
+          </a:bodyPr>
+          <a:lstStyle/>
+          <a:p>
+            <a:pPr algn="ctr"/>
+            <a:r>
+              <a:rPr lang="en-US" sz="1600" dirty="0" smtClean="0"/>
+              <a:t>Signature (</a:t>
+            </a:r>
+            <a:r>
+              <a:rPr lang="en-US" sz="1600" dirty="0" err="1" smtClean="0"/>
+              <a:t>r,s</a:t>
+            </a:r>
+            <a:r>
+              <a:rPr lang="en-US" sz="1600" dirty="0" smtClean="0"/>
+              <a:t>)</a:t>
+            </a:r>
+          </a:p>
+          <a:p>
+            <a:pPr algn="ctr"/>
+            <a:r>
+              <a:rPr lang="en-US" sz="1600" dirty="0" smtClean="0"/>
+              <a:t>Validation</a:t>
+            </a:r>
+            <a:endParaRPr lang="en-US" sz="1600" dirty="0"/>
+          </a:p>
+        </p:txBody>
+      </p:sp>
+      <p:sp>
+        <p:nvSpPr>
+          <p:cNvPr id="43" name="TextBox 42"/>
+          <p:cNvSpPr txBox="1"/>
+          <p:nvPr/>
+        </p:nvSpPr>
+        <p:spPr>
+          <a:xfrm>
+            <a:off x="3276070" y="3542783"/>
+            <a:ext cx="1230287" cy="369332"/>
+          </a:xfrm>
+          <a:prstGeom prst="rect">
+            <a:avLst/>
+          </a:prstGeom>
+          <a:noFill/>
+        </p:spPr>
+        <p:txBody>
+          <a:bodyPr wrap="none" rtlCol="0">
+            <a:spAutoFit/>
+          </a:bodyPr>
+          <a:lstStyle/>
+          <a:p>
+            <a:r>
+              <a:rPr lang="en-US" dirty="0" smtClean="0"/>
+              <a:t>G(x, y), k, </a:t>
+            </a:r>
+            <a:r>
+              <a:rPr lang="en-US" dirty="0"/>
+              <a:t>p</a:t>
+            </a:r>
           </a:p>
         </p:txBody>
       </p:sp>
@@ -4019,6 +4619,13 @@
   <p:clrMapOvr>
     <a:masterClrMapping/>
   </p:clrMapOvr>
+  <p:timing>
+    <p:tnLst>
+      <p:par>
+        <p:cTn xmlns:p14="http://schemas.microsoft.com/office/powerpoint/2010/main" id="1" dur="indefinite" restart="never" nodeType="tmRoot"/>
+      </p:par>
+    </p:tnLst>
+  </p:timing>
 </p:sld>
 </file>
 
